--- a/ATMEL Studio.pptx
+++ b/ATMEL Studio.pptx
@@ -32,7 +32,8 @@
     <p:sldId id="283" r:id="rId26"/>
     <p:sldId id="282" r:id="rId27"/>
     <p:sldId id="284" r:id="rId28"/>
-    <p:sldId id="263" r:id="rId29"/>
+    <p:sldId id="285" r:id="rId29"/>
+    <p:sldId id="263" r:id="rId30"/>
   </p:sldIdLst>
   <p:sldSz cx="12192000" cy="6858000"/>
   <p:notesSz cx="6858000" cy="9144000"/>
@@ -309,7 +310,7 @@
           <a:p>
             <a:fld id="{48A87A34-81AB-432B-8DAE-1953F412C126}" type="datetimeFigureOut">
               <a:rPr lang="en-US" dirty="0"/>
-              <a:t>6/3/2014</a:t>
+              <a:t>6/4/2014</a:t>
             </a:fld>
             <a:endParaRPr lang="en-US" dirty="0"/>
           </a:p>
@@ -571,7 +572,7 @@
           <a:p>
             <a:fld id="{48A87A34-81AB-432B-8DAE-1953F412C126}" type="datetimeFigureOut">
               <a:rPr lang="en-US" dirty="0"/>
-              <a:t>6/3/2014</a:t>
+              <a:t>6/4/2014</a:t>
             </a:fld>
             <a:endParaRPr lang="en-US" dirty="0"/>
           </a:p>
@@ -798,7 +799,7 @@
             <a:fld id="{48A87A34-81AB-432B-8DAE-1953F412C126}" type="datetimeFigureOut">
               <a:rPr lang="en-US" dirty="0"/>
               <a:pPr/>
-              <a:t>6/3/2014</a:t>
+              <a:t>6/4/2014</a:t>
             </a:fld>
             <a:endParaRPr lang="en-US" dirty="0"/>
           </a:p>
@@ -1104,7 +1105,7 @@
             <a:fld id="{48A87A34-81AB-432B-8DAE-1953F412C126}" type="datetimeFigureOut">
               <a:rPr lang="en-US" dirty="0"/>
               <a:pPr/>
-              <a:t>6/3/2014</a:t>
+              <a:t>6/4/2014</a:t>
             </a:fld>
             <a:endParaRPr lang="en-US" dirty="0"/>
           </a:p>
@@ -1573,7 +1574,7 @@
             <a:fld id="{48A87A34-81AB-432B-8DAE-1953F412C126}" type="datetimeFigureOut">
               <a:rPr lang="en-US" dirty="0"/>
               <a:pPr/>
-              <a:t>6/3/2014</a:t>
+              <a:t>6/4/2014</a:t>
             </a:fld>
             <a:endParaRPr lang="en-US" dirty="0"/>
           </a:p>
@@ -2115,7 +2116,7 @@
           <a:p>
             <a:fld id="{48A87A34-81AB-432B-8DAE-1953F412C126}" type="datetimeFigureOut">
               <a:rPr lang="en-US" dirty="0"/>
-              <a:t>6/3/2014</a:t>
+              <a:t>6/4/2014</a:t>
             </a:fld>
             <a:endParaRPr lang="en-US" dirty="0"/>
           </a:p>
@@ -2884,7 +2885,7 @@
           <a:p>
             <a:fld id="{48A87A34-81AB-432B-8DAE-1953F412C126}" type="datetimeFigureOut">
               <a:rPr lang="en-US" dirty="0"/>
-              <a:t>6/3/2014</a:t>
+              <a:t>6/4/2014</a:t>
             </a:fld>
             <a:endParaRPr lang="en-US" dirty="0"/>
           </a:p>
@@ -3054,7 +3055,7 @@
           <a:p>
             <a:fld id="{48A87A34-81AB-432B-8DAE-1953F412C126}" type="datetimeFigureOut">
               <a:rPr lang="en-US" dirty="0"/>
-              <a:t>6/3/2014</a:t>
+              <a:t>6/4/2014</a:t>
             </a:fld>
             <a:endParaRPr lang="en-US" dirty="0"/>
           </a:p>
@@ -3273,7 +3274,7 @@
             <a:fld id="{48A87A34-81AB-432B-8DAE-1953F412C126}" type="datetimeFigureOut">
               <a:rPr lang="en-US" dirty="0"/>
               <a:pPr/>
-              <a:t>6/3/2014</a:t>
+              <a:t>6/4/2014</a:t>
             </a:fld>
             <a:endParaRPr lang="en-US" dirty="0"/>
           </a:p>
@@ -3448,7 +3449,7 @@
           <a:p>
             <a:fld id="{48A87A34-81AB-432B-8DAE-1953F412C126}" type="datetimeFigureOut">
               <a:rPr lang="en-US" dirty="0"/>
-              <a:t>6/3/2014</a:t>
+              <a:t>6/4/2014</a:t>
             </a:fld>
             <a:endParaRPr lang="en-US" dirty="0"/>
           </a:p>
@@ -3733,7 +3734,7 @@
             <a:fld id="{48A87A34-81AB-432B-8DAE-1953F412C126}" type="datetimeFigureOut">
               <a:rPr lang="en-US" dirty="0"/>
               <a:pPr/>
-              <a:t>6/3/2014</a:t>
+              <a:t>6/4/2014</a:t>
             </a:fld>
             <a:endParaRPr lang="en-US" dirty="0"/>
           </a:p>
@@ -3970,7 +3971,7 @@
           <a:p>
             <a:fld id="{48A87A34-81AB-432B-8DAE-1953F412C126}" type="datetimeFigureOut">
               <a:rPr lang="en-US" dirty="0"/>
-              <a:t>6/3/2014</a:t>
+              <a:t>6/4/2014</a:t>
             </a:fld>
             <a:endParaRPr lang="en-US" dirty="0"/>
           </a:p>
@@ -4344,7 +4345,7 @@
           <a:p>
             <a:fld id="{48A87A34-81AB-432B-8DAE-1953F412C126}" type="datetimeFigureOut">
               <a:rPr lang="en-US" dirty="0"/>
-              <a:t>6/3/2014</a:t>
+              <a:t>6/4/2014</a:t>
             </a:fld>
             <a:endParaRPr lang="en-US" dirty="0"/>
           </a:p>
@@ -4457,7 +4458,7 @@
           <a:p>
             <a:fld id="{48A87A34-81AB-432B-8DAE-1953F412C126}" type="datetimeFigureOut">
               <a:rPr lang="en-US" dirty="0"/>
-              <a:t>6/3/2014</a:t>
+              <a:t>6/4/2014</a:t>
             </a:fld>
             <a:endParaRPr lang="en-US" dirty="0"/>
           </a:p>
@@ -4547,7 +4548,7 @@
           <a:p>
             <a:fld id="{48A87A34-81AB-432B-8DAE-1953F412C126}" type="datetimeFigureOut">
               <a:rPr lang="en-US" dirty="0"/>
-              <a:t>6/3/2014</a:t>
+              <a:t>6/4/2014</a:t>
             </a:fld>
             <a:endParaRPr lang="en-US" dirty="0"/>
           </a:p>
@@ -4791,7 +4792,7 @@
           <a:p>
             <a:fld id="{48A87A34-81AB-432B-8DAE-1953F412C126}" type="datetimeFigureOut">
               <a:rPr lang="en-US" dirty="0"/>
-              <a:t>6/3/2014</a:t>
+              <a:t>6/4/2014</a:t>
             </a:fld>
             <a:endParaRPr lang="en-US" dirty="0"/>
           </a:p>
@@ -5043,7 +5044,7 @@
           <a:p>
             <a:fld id="{48A87A34-81AB-432B-8DAE-1953F412C126}" type="datetimeFigureOut">
               <a:rPr lang="en-US" dirty="0"/>
-              <a:t>6/3/2014</a:t>
+              <a:t>6/4/2014</a:t>
             </a:fld>
             <a:endParaRPr lang="en-US" dirty="0"/>
           </a:p>
@@ -5282,7 +5283,7 @@
             <a:fld id="{48A87A34-81AB-432B-8DAE-1953F412C126}" type="datetimeFigureOut">
               <a:rPr lang="en-US" dirty="0"/>
               <a:pPr/>
-              <a:t>6/3/2014</a:t>
+              <a:t>6/4/2014</a:t>
             </a:fld>
             <a:endParaRPr lang="en-US" dirty="0"/>
           </a:p>
@@ -7500,7 +7501,9 @@
           </a:xfrm>
         </p:spPr>
         <p:txBody>
-          <a:bodyPr/>
+          <a:bodyPr>
+            <a:normAutofit lnSpcReduction="10000"/>
+          </a:bodyPr>
           <a:lstStyle/>
           <a:p>
             <a:r>
@@ -7565,8 +7568,23 @@
           <a:p>
             <a:r>
               <a:rPr lang="en-US" dirty="0" smtClean="0"/>
-              <a:t>Upload firmware with SAM-BA</a:t>
-            </a:r>
+              <a:t>Upload firmware with </a:t>
+            </a:r>
+            <a:r>
+              <a:rPr lang="en-US" dirty="0" smtClean="0"/>
+              <a:t>SAM-BA</a:t>
+            </a:r>
+          </a:p>
+          <a:p>
+            <a:r>
+              <a:rPr lang="en-US" dirty="0" smtClean="0"/>
+              <a:t>Running </a:t>
+            </a:r>
+            <a:r>
+              <a:rPr lang="en-US" dirty="0" err="1" smtClean="0"/>
+              <a:t>WSNDemo</a:t>
+            </a:r>
+            <a:endParaRPr lang="en-US" dirty="0" smtClean="0"/>
           </a:p>
           <a:p>
             <a:r>
@@ -9177,6 +9195,149 @@
 </file>
 
 <file path=ppt/slides/slide28.xml><?xml version="1.0" encoding="utf-8"?>
+<p:sld xmlns:a="http://schemas.openxmlformats.org/drawingml/2006/main" xmlns:r="http://schemas.openxmlformats.org/officeDocument/2006/relationships" xmlns:p="http://schemas.openxmlformats.org/presentationml/2006/main">
+  <p:cSld>
+    <p:spTree>
+      <p:nvGrpSpPr>
+        <p:cNvPr id="1" name=""/>
+        <p:cNvGrpSpPr/>
+        <p:nvPr/>
+      </p:nvGrpSpPr>
+      <p:grpSpPr>
+        <a:xfrm>
+          <a:off x="0" y="0"/>
+          <a:ext cx="0" cy="0"/>
+          <a:chOff x="0" y="0"/>
+          <a:chExt cx="0" cy="0"/>
+        </a:xfrm>
+      </p:grpSpPr>
+      <p:sp>
+        <p:nvSpPr>
+          <p:cNvPr id="2" name="Title 1"/>
+          <p:cNvSpPr>
+            <a:spLocks noGrp="1"/>
+          </p:cNvSpPr>
+          <p:nvPr>
+            <p:ph type="title"/>
+          </p:nvPr>
+        </p:nvSpPr>
+        <p:spPr>
+          <a:xfrm>
+            <a:off x="685800" y="1319001"/>
+            <a:ext cx="10820399" cy="738399"/>
+          </a:xfrm>
+        </p:spPr>
+        <p:txBody>
+          <a:bodyPr/>
+          <a:lstStyle/>
+          <a:p>
+            <a:pPr algn="l"/>
+            <a:r>
+              <a:rPr lang="en-US" dirty="0" smtClean="0"/>
+              <a:t>Running </a:t>
+            </a:r>
+            <a:r>
+              <a:rPr lang="en-US" dirty="0" err="1" smtClean="0"/>
+              <a:t>Wsndemo</a:t>
+            </a:r>
+            <a:endParaRPr lang="en-US" dirty="0"/>
+          </a:p>
+        </p:txBody>
+      </p:sp>
+      <p:sp>
+        <p:nvSpPr>
+          <p:cNvPr id="3" name="Content Placeholder 2"/>
+          <p:cNvSpPr>
+            <a:spLocks noGrp="1"/>
+          </p:cNvSpPr>
+          <p:nvPr>
+            <p:ph idx="1"/>
+          </p:nvPr>
+        </p:nvSpPr>
+        <p:spPr>
+          <a:xfrm>
+            <a:off x="685800" y="2194560"/>
+            <a:ext cx="4699270" cy="4024125"/>
+          </a:xfrm>
+        </p:spPr>
+        <p:txBody>
+          <a:bodyPr>
+            <a:normAutofit/>
+          </a:bodyPr>
+          <a:lstStyle/>
+          <a:p>
+            <a:r>
+              <a:rPr lang="en-US" dirty="0" smtClean="0"/>
+              <a:t>Open </a:t>
+            </a:r>
+            <a:r>
+              <a:rPr lang="en-US" dirty="0" err="1" smtClean="0"/>
+              <a:t>WSNDemo</a:t>
+            </a:r>
+            <a:r>
+              <a:rPr lang="en-US" dirty="0" smtClean="0"/>
+              <a:t> project</a:t>
+            </a:r>
+          </a:p>
+          <a:p>
+            <a:r>
+              <a:rPr lang="en-US" dirty="0" smtClean="0"/>
+              <a:t>Build ARM project</a:t>
+            </a:r>
+          </a:p>
+          <a:p>
+            <a:r>
+              <a:rPr lang="en-US" dirty="0" smtClean="0"/>
+              <a:t>Build AVR project</a:t>
+            </a:r>
+          </a:p>
+          <a:p>
+            <a:r>
+              <a:rPr lang="en-US" dirty="0" smtClean="0"/>
+              <a:t>See results</a:t>
+            </a:r>
+            <a:endParaRPr lang="en-US" dirty="0" smtClean="0"/>
+          </a:p>
+        </p:txBody>
+      </p:sp>
+      <p:pic>
+        <p:nvPicPr>
+          <p:cNvPr id="4" name="Picture 3"/>
+          <p:cNvPicPr>
+            <a:picLocks noChangeAspect="1"/>
+          </p:cNvPicPr>
+          <p:nvPr/>
+        </p:nvPicPr>
+        <p:blipFill>
+          <a:blip r:embed="rId2"/>
+          <a:stretch>
+            <a:fillRect/>
+          </a:stretch>
+        </p:blipFill>
+        <p:spPr>
+          <a:xfrm>
+            <a:off x="4873428" y="1917091"/>
+            <a:ext cx="6632771" cy="4940909"/>
+          </a:xfrm>
+          <a:prstGeom prst="rect">
+            <a:avLst/>
+          </a:prstGeom>
+        </p:spPr>
+      </p:pic>
+    </p:spTree>
+    <p:extLst>
+      <p:ext uri="{BB962C8B-B14F-4D97-AF65-F5344CB8AC3E}">
+        <p14:creationId xmlns:p14="http://schemas.microsoft.com/office/powerpoint/2010/main" val="3558323884"/>
+      </p:ext>
+    </p:extLst>
+  </p:cSld>
+  <p:clrMapOvr>
+    <a:masterClrMapping/>
+  </p:clrMapOvr>
+</p:sld>
+</file>
+
+<file path=ppt/slides/slide29.xml><?xml version="1.0" encoding="utf-8"?>
 <p:sld xmlns:a="http://schemas.openxmlformats.org/drawingml/2006/main" xmlns:r="http://schemas.openxmlformats.org/officeDocument/2006/relationships" xmlns:p="http://schemas.openxmlformats.org/presentationml/2006/main">
   <p:cSld>
     <p:spTree>
